--- a/卒業論文/2015/板倉啓太/中間発表/卒論中間発表ポスター.pptx
+++ b/卒業論文/2015/板倉啓太/中間発表/卒論中間発表ポスター.pptx
@@ -304,7 +304,7 @@
           <a:p>
             <a:fld id="{A157BA37-E345-4782-84BA-8FCF7DC02401}" type="datetimeFigureOut">
               <a:rPr kumimoji="1" lang="ja-JP" altLang="en-US" smtClean="0"/>
-              <a:t>2016/10/7</a:t>
+              <a:t>2016/10/9</a:t>
             </a:fld>
             <a:endParaRPr kumimoji="1" lang="ja-JP" altLang="en-US"/>
           </a:p>
@@ -506,7 +506,7 @@
           <a:p>
             <a:fld id="{A157BA37-E345-4782-84BA-8FCF7DC02401}" type="datetimeFigureOut">
               <a:rPr kumimoji="1" lang="ja-JP" altLang="en-US" smtClean="0"/>
-              <a:t>2016/10/7</a:t>
+              <a:t>2016/10/9</a:t>
             </a:fld>
             <a:endParaRPr kumimoji="1" lang="ja-JP" altLang="en-US"/>
           </a:p>
@@ -718,7 +718,7 @@
           <a:p>
             <a:fld id="{A157BA37-E345-4782-84BA-8FCF7DC02401}" type="datetimeFigureOut">
               <a:rPr kumimoji="1" lang="ja-JP" altLang="en-US" smtClean="0"/>
-              <a:t>2016/10/7</a:t>
+              <a:t>2016/10/9</a:t>
             </a:fld>
             <a:endParaRPr kumimoji="1" lang="ja-JP" altLang="en-US"/>
           </a:p>
@@ -920,7 +920,7 @@
           <a:p>
             <a:fld id="{A157BA37-E345-4782-84BA-8FCF7DC02401}" type="datetimeFigureOut">
               <a:rPr kumimoji="1" lang="ja-JP" altLang="en-US" smtClean="0"/>
-              <a:t>2016/10/7</a:t>
+              <a:t>2016/10/9</a:t>
             </a:fld>
             <a:endParaRPr kumimoji="1" lang="ja-JP" altLang="en-US"/>
           </a:p>
@@ -1166,7 +1166,7 @@
           <a:p>
             <a:fld id="{A157BA37-E345-4782-84BA-8FCF7DC02401}" type="datetimeFigureOut">
               <a:rPr kumimoji="1" lang="ja-JP" altLang="en-US" smtClean="0"/>
-              <a:t>2016/10/7</a:t>
+              <a:t>2016/10/9</a:t>
             </a:fld>
             <a:endParaRPr kumimoji="1" lang="ja-JP" altLang="en-US"/>
           </a:p>
@@ -1518,7 +1518,7 @@
           <a:p>
             <a:fld id="{A157BA37-E345-4782-84BA-8FCF7DC02401}" type="datetimeFigureOut">
               <a:rPr kumimoji="1" lang="ja-JP" altLang="en-US" smtClean="0"/>
-              <a:t>2016/10/7</a:t>
+              <a:t>2016/10/9</a:t>
             </a:fld>
             <a:endParaRPr kumimoji="1" lang="ja-JP" altLang="en-US"/>
           </a:p>
@@ -2009,7 +2009,7 @@
           <a:p>
             <a:fld id="{A157BA37-E345-4782-84BA-8FCF7DC02401}" type="datetimeFigureOut">
               <a:rPr kumimoji="1" lang="ja-JP" altLang="en-US" smtClean="0"/>
-              <a:t>2016/10/7</a:t>
+              <a:t>2016/10/9</a:t>
             </a:fld>
             <a:endParaRPr kumimoji="1" lang="ja-JP" altLang="en-US"/>
           </a:p>
@@ -2127,7 +2127,7 @@
           <a:p>
             <a:fld id="{A157BA37-E345-4782-84BA-8FCF7DC02401}" type="datetimeFigureOut">
               <a:rPr kumimoji="1" lang="ja-JP" altLang="en-US" smtClean="0"/>
-              <a:t>2016/10/7</a:t>
+              <a:t>2016/10/9</a:t>
             </a:fld>
             <a:endParaRPr kumimoji="1" lang="ja-JP" altLang="en-US"/>
           </a:p>
@@ -2222,7 +2222,7 @@
           <a:p>
             <a:fld id="{A157BA37-E345-4782-84BA-8FCF7DC02401}" type="datetimeFigureOut">
               <a:rPr kumimoji="1" lang="ja-JP" altLang="en-US" smtClean="0"/>
-              <a:t>2016/10/7</a:t>
+              <a:t>2016/10/9</a:t>
             </a:fld>
             <a:endParaRPr kumimoji="1" lang="ja-JP" altLang="en-US"/>
           </a:p>
@@ -2531,7 +2531,7 @@
           <a:p>
             <a:fld id="{A157BA37-E345-4782-84BA-8FCF7DC02401}" type="datetimeFigureOut">
               <a:rPr kumimoji="1" lang="ja-JP" altLang="en-US" smtClean="0"/>
-              <a:t>2016/10/7</a:t>
+              <a:t>2016/10/9</a:t>
             </a:fld>
             <a:endParaRPr kumimoji="1" lang="ja-JP" altLang="en-US"/>
           </a:p>
@@ -2784,7 +2784,7 @@
           <a:p>
             <a:fld id="{A157BA37-E345-4782-84BA-8FCF7DC02401}" type="datetimeFigureOut">
               <a:rPr kumimoji="1" lang="ja-JP" altLang="en-US" smtClean="0"/>
-              <a:t>2016/10/7</a:t>
+              <a:t>2016/10/9</a:t>
             </a:fld>
             <a:endParaRPr kumimoji="1" lang="ja-JP" altLang="en-US"/>
           </a:p>
@@ -3029,7 +3029,7 @@
           <a:p>
             <a:fld id="{A157BA37-E345-4782-84BA-8FCF7DC02401}" type="datetimeFigureOut">
               <a:rPr kumimoji="1" lang="ja-JP" altLang="en-US" smtClean="0"/>
-              <a:t>2016/10/7</a:t>
+              <a:t>2016/10/9</a:t>
             </a:fld>
             <a:endParaRPr kumimoji="1" lang="ja-JP" altLang="en-US"/>
           </a:p>
@@ -3406,6 +3406,55 @@
       </p:grpSpPr>
       <p:sp>
         <p:nvSpPr>
+          <p:cNvPr id="33" name="爆発 1 32"/>
+          <p:cNvSpPr/>
+          <p:nvPr/>
+        </p:nvSpPr>
+        <p:spPr>
+          <a:xfrm>
+            <a:off x="383046" y="2193268"/>
+            <a:ext cx="1642561" cy="504056"/>
+          </a:xfrm>
+          <a:prstGeom prst="irregularSeal1">
+            <a:avLst/>
+          </a:prstGeom>
+          <a:noFill/>
+          <a:ln w="3175">
+            <a:solidFill>
+              <a:schemeClr val="accent6">
+                <a:lumMod val="60000"/>
+                <a:lumOff val="40000"/>
+              </a:schemeClr>
+            </a:solidFill>
+          </a:ln>
+        </p:spPr>
+        <p:style>
+          <a:lnRef idx="2">
+            <a:schemeClr val="accent1">
+              <a:shade val="50000"/>
+            </a:schemeClr>
+          </a:lnRef>
+          <a:fillRef idx="1">
+            <a:schemeClr val="accent1"/>
+          </a:fillRef>
+          <a:effectRef idx="0">
+            <a:schemeClr val="accent1"/>
+          </a:effectRef>
+          <a:fontRef idx="minor">
+            <a:schemeClr val="lt1"/>
+          </a:fontRef>
+        </p:style>
+        <p:txBody>
+          <a:bodyPr rtlCol="0" anchor="ctr"/>
+          <a:lstStyle/>
+          <a:p>
+            <a:pPr algn="ctr"/>
+            <a:endParaRPr kumimoji="1" lang="ja-JP" altLang="en-US" dirty="0"/>
+          </a:p>
+        </p:txBody>
+      </p:sp>
+      <p:sp>
+        <p:nvSpPr>
           <p:cNvPr id="4" name="テキスト ボックス 3"/>
           <p:cNvSpPr txBox="1"/>
           <p:nvPr/>
@@ -3443,7 +3492,7 @@
         <p:spPr>
           <a:xfrm>
             <a:off x="814220" y="542075"/>
-            <a:ext cx="5112568" cy="369332"/>
+            <a:ext cx="5112568" cy="353943"/>
           </a:xfrm>
           <a:prstGeom prst="rect">
             <a:avLst/>
@@ -3457,30 +3506,30 @@
           <a:lstStyle/>
           <a:p>
             <a:r>
-              <a:rPr kumimoji="1" lang="en-US" altLang="ja-JP" dirty="0" smtClean="0"/>
+              <a:rPr kumimoji="1" lang="en-US" altLang="ja-JP" sz="1700" dirty="0" smtClean="0"/>
               <a:t>PM</a:t>
             </a:r>
             <a:r>
-              <a:rPr kumimoji="1" lang="ja-JP" altLang="en-US" dirty="0" smtClean="0"/>
+              <a:rPr kumimoji="1" lang="ja-JP" altLang="en-US" sz="1700" dirty="0" smtClean="0"/>
               <a:t>コース　矢吹研究室　</a:t>
             </a:r>
             <a:r>
-              <a:rPr kumimoji="1" lang="en-US" altLang="ja-JP" dirty="0" smtClean="0"/>
+              <a:rPr kumimoji="1" lang="en-US" altLang="ja-JP" sz="1700" dirty="0" smtClean="0"/>
               <a:t>1342015</a:t>
             </a:r>
             <a:r>
-              <a:rPr kumimoji="1" lang="ja-JP" altLang="en-US" dirty="0" smtClean="0"/>
+              <a:rPr kumimoji="1" lang="ja-JP" altLang="en-US" sz="1700" dirty="0" smtClean="0"/>
               <a:t>　</a:t>
             </a:r>
             <a:r>
-              <a:rPr lang="ja-JP" altLang="en-US" dirty="0" smtClean="0"/>
+              <a:rPr lang="ja-JP" altLang="en-US" sz="1700" dirty="0" smtClean="0"/>
               <a:t>板倉</a:t>
             </a:r>
             <a:r>
-              <a:rPr lang="ja-JP" altLang="en-US" dirty="0"/>
+              <a:rPr lang="ja-JP" altLang="en-US" sz="1700" dirty="0"/>
               <a:t>啓太</a:t>
             </a:r>
-            <a:endParaRPr kumimoji="1" lang="ja-JP" altLang="en-US" dirty="0"/>
+            <a:endParaRPr kumimoji="1" lang="ja-JP" altLang="en-US" sz="1700" dirty="0"/>
           </a:p>
         </p:txBody>
       </p:sp>
@@ -3492,8 +3541,8 @@
         </p:nvSpPr>
         <p:spPr>
           <a:xfrm>
-            <a:off x="260648" y="1043608"/>
-            <a:ext cx="6192688" cy="1726518"/>
+            <a:off x="260647" y="1043608"/>
+            <a:ext cx="6229163" cy="1726518"/>
           </a:xfrm>
           <a:prstGeom prst="rect">
             <a:avLst/>
@@ -3539,7 +3588,7 @@
         <p:spPr>
           <a:xfrm>
             <a:off x="260648" y="2867025"/>
-            <a:ext cx="6219711" cy="1200919"/>
+            <a:ext cx="6229163" cy="1200919"/>
           </a:xfrm>
           <a:prstGeom prst="rect">
             <a:avLst/>
@@ -3584,8 +3633,8 @@
         </p:nvSpPr>
         <p:spPr>
           <a:xfrm>
-            <a:off x="233624" y="4175873"/>
-            <a:ext cx="3087363" cy="3123949"/>
+            <a:off x="261475" y="4194817"/>
+            <a:ext cx="6228336" cy="1493742"/>
           </a:xfrm>
           <a:prstGeom prst="rect">
             <a:avLst/>
@@ -3630,7 +3679,7 @@
         </p:nvSpPr>
         <p:spPr>
           <a:xfrm>
-            <a:off x="233626" y="7407751"/>
+            <a:off x="250740" y="5785929"/>
             <a:ext cx="3087361" cy="1628745"/>
           </a:xfrm>
           <a:prstGeom prst="rect">
@@ -3841,10 +3890,10 @@
         </p:nvGrpSpPr>
         <p:grpSpPr>
           <a:xfrm>
-            <a:off x="3456581" y="4267509"/>
-            <a:ext cx="3033230" cy="4768988"/>
-            <a:chOff x="3447129" y="3349367"/>
-            <a:chExt cx="3033230" cy="3166850"/>
+            <a:off x="347123" y="5781797"/>
+            <a:ext cx="6142688" cy="3254698"/>
+            <a:chOff x="337671" y="4354932"/>
+            <a:chExt cx="6142688" cy="2161285"/>
           </a:xfrm>
         </p:grpSpPr>
         <p:sp>
@@ -3901,7 +3950,7 @@
           </p:nvSpPr>
           <p:spPr>
             <a:xfrm>
-              <a:off x="3538921" y="3349367"/>
+              <a:off x="337671" y="5580792"/>
               <a:ext cx="1224136" cy="252028"/>
             </a:xfrm>
             <a:prstGeom prst="roundRect">
@@ -4006,152 +4055,6 @@
       </p:sp>
       <p:sp>
         <p:nvSpPr>
-          <p:cNvPr id="19" name="テキスト ボックス 18"/>
-          <p:cNvSpPr txBox="1"/>
-          <p:nvPr/>
-        </p:nvSpPr>
-        <p:spPr>
-          <a:xfrm>
-            <a:off x="404663" y="1622673"/>
-            <a:ext cx="3061373" cy="1015663"/>
-          </a:xfrm>
-          <a:prstGeom prst="rect">
-            <a:avLst/>
-          </a:prstGeom>
-          <a:noFill/>
-          <a:ln w="19050">
-            <a:solidFill>
-              <a:srgbClr val="92D050"/>
-            </a:solidFill>
-          </a:ln>
-        </p:spPr>
-        <p:txBody>
-          <a:bodyPr wrap="square" rtlCol="0">
-            <a:spAutoFit/>
-          </a:bodyPr>
-          <a:lstStyle/>
-          <a:p>
-            <a:r>
-              <a:rPr lang="ja-JP" altLang="en-US" sz="1200" dirty="0"/>
-              <a:t>アクティブ・</a:t>
-            </a:r>
-            <a:r>
-              <a:rPr lang="ja-JP" altLang="en-US" sz="1200" dirty="0" smtClean="0"/>
-              <a:t>ラーニング</a:t>
-            </a:r>
-            <a:r>
-              <a:rPr lang="ja-JP" altLang="en-US" sz="1200" dirty="0"/>
-              <a:t>とは，「能動的な学習」のことで，講師が</a:t>
-            </a:r>
-            <a:r>
-              <a:rPr lang="ja-JP" altLang="en-US" sz="1200" dirty="0" smtClean="0"/>
-              <a:t>一方的</a:t>
-            </a:r>
-            <a:r>
-              <a:rPr lang="ja-JP" altLang="en-US" sz="1200" dirty="0"/>
-              <a:t>に学生に知識伝達をする講義形式では</a:t>
-            </a:r>
-            <a:r>
-              <a:rPr lang="ja-JP" altLang="en-US" sz="1200" dirty="0" smtClean="0"/>
-              <a:t>なく，</a:t>
-            </a:r>
-            <a:r>
-              <a:rPr lang="en-US" altLang="ja-JP" sz="1200" dirty="0"/>
-              <a:t> </a:t>
-            </a:r>
-            <a:r>
-              <a:rPr lang="en-US" altLang="ja-JP" sz="1200" dirty="0" smtClean="0"/>
-              <a:t>PBL</a:t>
-            </a:r>
-            <a:r>
-              <a:rPr lang="ja-JP" altLang="en-US" sz="1200" dirty="0" smtClean="0"/>
-              <a:t>や</a:t>
-            </a:r>
-            <a:r>
-              <a:rPr lang="ja-JP" altLang="en-US" sz="1200" dirty="0"/>
-              <a:t>課題</a:t>
-            </a:r>
-            <a:r>
-              <a:rPr lang="ja-JP" altLang="en-US" sz="1200" dirty="0" smtClean="0"/>
-              <a:t>研究，ディスカッション</a:t>
-            </a:r>
-            <a:r>
-              <a:rPr lang="ja-JP" altLang="en-US" sz="1200" dirty="0"/>
-              <a:t>，</a:t>
-            </a:r>
-            <a:r>
-              <a:rPr lang="ja-JP" altLang="en-US" sz="1200" dirty="0" smtClean="0"/>
-              <a:t>プレゼンテーションなど，学生</a:t>
-            </a:r>
-            <a:r>
-              <a:rPr lang="ja-JP" altLang="en-US" sz="1200" dirty="0"/>
-              <a:t>の能動的な学習法の総称である．</a:t>
-            </a:r>
-            <a:endParaRPr kumimoji="1" lang="ja-JP" altLang="en-US" sz="1200" dirty="0"/>
-          </a:p>
-        </p:txBody>
-      </p:sp>
-      <p:sp>
-        <p:nvSpPr>
-          <p:cNvPr id="20" name="テキスト ボックス 19"/>
-          <p:cNvSpPr txBox="1"/>
-          <p:nvPr/>
-        </p:nvSpPr>
-        <p:spPr>
-          <a:xfrm>
-            <a:off x="3609613" y="1201578"/>
-            <a:ext cx="2727167" cy="830997"/>
-          </a:xfrm>
-          <a:prstGeom prst="rect">
-            <a:avLst/>
-          </a:prstGeom>
-          <a:noFill/>
-          <a:ln w="19050">
-            <a:solidFill>
-              <a:srgbClr val="92D050"/>
-            </a:solidFill>
-          </a:ln>
-        </p:spPr>
-        <p:txBody>
-          <a:bodyPr wrap="square" rtlCol="0">
-            <a:spAutoFit/>
-          </a:bodyPr>
-          <a:lstStyle/>
-          <a:p>
-            <a:r>
-              <a:rPr kumimoji="1" lang="en-US" altLang="ja-JP" sz="1200" dirty="0" smtClean="0"/>
-              <a:t>1990</a:t>
-            </a:r>
-            <a:r>
-              <a:rPr kumimoji="1" lang="ja-JP" altLang="en-US" sz="1200" dirty="0" smtClean="0"/>
-              <a:t>年代以降は，</a:t>
-            </a:r>
-            <a:r>
-              <a:rPr lang="ja-JP" altLang="en-US" sz="1200" dirty="0"/>
-              <a:t>基礎的な知識に加え，多様性・創造性や他者と</a:t>
-            </a:r>
-            <a:r>
-              <a:rPr lang="ja-JP" altLang="en-US" sz="1200" dirty="0" smtClean="0"/>
-              <a:t>交渉する</a:t>
-            </a:r>
-            <a:r>
-              <a:rPr lang="ja-JP" altLang="en-US" sz="1200" dirty="0"/>
-              <a:t>力などを備えた新しい社会を創出できる</a:t>
-            </a:r>
-            <a:r>
-              <a:rPr lang="ja-JP" altLang="en-US" sz="1200" dirty="0" smtClean="0"/>
-              <a:t>人材が</a:t>
-            </a:r>
-            <a:r>
-              <a:rPr lang="ja-JP" altLang="en-US" sz="1200" dirty="0"/>
-              <a:t>求められるようになった．</a:t>
-            </a:r>
-            <a:endParaRPr kumimoji="1" lang="ja-JP" altLang="en-US" sz="1200" dirty="0"/>
-          </a:p>
-        </p:txBody>
-      </p:sp>
-      <p:sp>
-        <p:nvSpPr>
           <p:cNvPr id="22" name="テキスト ボックス 21"/>
           <p:cNvSpPr txBox="1"/>
           <p:nvPr/>
@@ -4253,10 +4156,10 @@
         </p:nvGrpSpPr>
         <p:grpSpPr>
           <a:xfrm>
-            <a:off x="401240" y="4175873"/>
-            <a:ext cx="6079119" cy="4805848"/>
-            <a:chOff x="-2237465" y="3967288"/>
-            <a:chExt cx="6079119" cy="4805848"/>
+            <a:off x="257494" y="6318067"/>
+            <a:ext cx="3073851" cy="2718428"/>
+            <a:chOff x="-2381211" y="6109482"/>
+            <a:chExt cx="3073851" cy="2718428"/>
           </a:xfrm>
         </p:grpSpPr>
         <p:sp>
@@ -4267,8 +4170,8 @@
           </p:nvSpPr>
           <p:spPr>
             <a:xfrm>
-              <a:off x="827331" y="3967288"/>
-              <a:ext cx="3014323" cy="1497994"/>
+              <a:off x="-2381211" y="7329916"/>
+              <a:ext cx="3073851" cy="1497994"/>
             </a:xfrm>
             <a:prstGeom prst="rect">
               <a:avLst/>
@@ -4313,8 +4216,8 @@
           </p:nvSpPr>
           <p:spPr>
             <a:xfrm>
-              <a:off x="-2237465" y="7757473"/>
-              <a:ext cx="2845351" cy="1015663"/>
+              <a:off x="-2255659" y="6109482"/>
+              <a:ext cx="2845351" cy="461665"/>
             </a:xfrm>
             <a:prstGeom prst="rect">
               <a:avLst/>
@@ -4333,238 +4236,23 @@
             <a:lstStyle/>
             <a:p>
               <a:r>
-                <a:rPr lang="ja-JP" altLang="en-US" sz="1200" dirty="0"/>
-                <a:t>受講者にデータマイニング入門の知識の定着を促進し，汎用的能力の育成を</a:t>
-              </a:r>
-              <a:r>
                 <a:rPr lang="ja-JP" altLang="en-US" sz="1200" dirty="0" smtClean="0"/>
-                <a:t>図る．</a:t>
+                <a:t>例：グラフを読み取り，解析手法が使えるようになる．</a:t>
               </a:r>
               <a:endParaRPr lang="en-US" altLang="ja-JP" sz="1200" dirty="0" smtClean="0"/>
-            </a:p>
-            <a:p>
-              <a:endParaRPr lang="en-US" altLang="ja-JP" sz="1200" dirty="0" smtClean="0"/>
-            </a:p>
-            <a:p>
-              <a:r>
-                <a:rPr lang="ja-JP" altLang="en-US" sz="1200" dirty="0" smtClean="0"/>
-                <a:t>例</a:t>
-              </a:r>
-              <a:r>
-                <a:rPr lang="en-US" altLang="ja-JP" sz="1200" dirty="0" smtClean="0"/>
-                <a:t>)</a:t>
-              </a:r>
-              <a:r>
-                <a:rPr lang="ja-JP" altLang="en-US" sz="1200" dirty="0" smtClean="0"/>
-                <a:t>グラフからデータを読み取</a:t>
-              </a:r>
-              <a:r>
-                <a:rPr lang="ja-JP" altLang="en-US" sz="1200" dirty="0"/>
-                <a:t>り</a:t>
-              </a:r>
-              <a:r>
-                <a:rPr lang="ja-JP" altLang="en-US" sz="1200" dirty="0" smtClean="0"/>
-                <a:t>，解析手</a:t>
-              </a:r>
-              <a:r>
-                <a:rPr lang="ja-JP" altLang="en-US" sz="1200" dirty="0"/>
-                <a:t>　</a:t>
-              </a:r>
-              <a:r>
-                <a:rPr lang="ja-JP" altLang="en-US" sz="1200" smtClean="0"/>
-                <a:t>法を使うこと</a:t>
-              </a:r>
-              <a:r>
-                <a:rPr lang="ja-JP" altLang="en-US" sz="1200" dirty="0" smtClean="0"/>
-                <a:t>ができるようになる．</a:t>
-              </a:r>
-              <a:endParaRPr lang="en-US" altLang="ja-JP" sz="1200" dirty="0"/>
             </a:p>
           </p:txBody>
         </p:sp>
       </p:grpSp>
       <p:sp>
         <p:nvSpPr>
-          <p:cNvPr id="48" name="テキスト ボックス 47"/>
-          <p:cNvSpPr txBox="1"/>
-          <p:nvPr/>
-        </p:nvSpPr>
-        <p:spPr>
-          <a:xfrm>
-            <a:off x="404663" y="4709883"/>
-            <a:ext cx="2845351" cy="2492990"/>
-          </a:xfrm>
-          <a:prstGeom prst="rect">
-            <a:avLst/>
-          </a:prstGeom>
-          <a:noFill/>
-          <a:ln w="19050">
-            <a:solidFill>
-              <a:srgbClr val="92D050"/>
-            </a:solidFill>
-          </a:ln>
-        </p:spPr>
-        <p:txBody>
-          <a:bodyPr wrap="square" rtlCol="0">
-            <a:spAutoFit/>
-          </a:bodyPr>
-          <a:lstStyle/>
-          <a:p>
-            <a:pPr marL="228600" indent="-228600">
-              <a:buFont typeface="+mj-lt"/>
-              <a:buAutoNum type="arabicPeriod"/>
-            </a:pPr>
-            <a:r>
-              <a:rPr lang="ja-JP" altLang="en-US" sz="1200" dirty="0"/>
-              <a:t>受講者</a:t>
-            </a:r>
-            <a:r>
-              <a:rPr lang="ja-JP" altLang="en-US" sz="1200" dirty="0" smtClean="0"/>
-              <a:t>を</a:t>
-            </a:r>
-            <a:r>
-              <a:rPr lang="en-US" altLang="ja-JP" sz="1200" dirty="0"/>
-              <a:t>1</a:t>
-            </a:r>
-            <a:r>
-              <a:rPr lang="ja-JP" altLang="en-US" sz="1200" dirty="0"/>
-              <a:t>グループ</a:t>
-            </a:r>
-            <a:r>
-              <a:rPr lang="en-US" altLang="ja-JP" sz="1200" dirty="0" smtClean="0"/>
-              <a:t>4</a:t>
-            </a:r>
-            <a:r>
-              <a:rPr lang="ja-JP" altLang="en-US" sz="1200" dirty="0" err="1"/>
-              <a:t>，</a:t>
-            </a:r>
-            <a:r>
-              <a:rPr lang="en-US" altLang="ja-JP" sz="1200" dirty="0"/>
-              <a:t>5</a:t>
-            </a:r>
-            <a:r>
-              <a:rPr lang="ja-JP" altLang="en-US" sz="1200" dirty="0" smtClean="0"/>
-              <a:t>人になるようにランダムに分ける．</a:t>
-            </a:r>
-            <a:endParaRPr lang="en-US" altLang="ja-JP" sz="1200" dirty="0" smtClean="0"/>
-          </a:p>
-          <a:p>
-            <a:pPr marL="228600" indent="-228600">
-              <a:buFont typeface="+mj-lt"/>
-              <a:buAutoNum type="arabicPeriod"/>
-            </a:pPr>
-            <a:endParaRPr lang="ja-JP" altLang="en-US" sz="1200" dirty="0"/>
-          </a:p>
-          <a:p>
-            <a:pPr marL="228600" indent="-228600">
-              <a:buFont typeface="+mj-lt"/>
-              <a:buAutoNum type="arabicPeriod"/>
-            </a:pPr>
-            <a:r>
-              <a:rPr lang="ja-JP" altLang="en-US" sz="1200" dirty="0" smtClean="0"/>
-              <a:t>各グループに勉学に</a:t>
-            </a:r>
-            <a:r>
-              <a:rPr lang="ja-JP" altLang="en-US" sz="1200" dirty="0"/>
-              <a:t>関</a:t>
-            </a:r>
-            <a:r>
-              <a:rPr lang="ja-JP" altLang="en-US" sz="1200" dirty="0" smtClean="0"/>
-              <a:t>する質問を</a:t>
-            </a:r>
-            <a:r>
-              <a:rPr lang="en-US" altLang="ja-JP" sz="1200" dirty="0" smtClean="0"/>
-              <a:t>3</a:t>
-            </a:r>
-            <a:r>
-              <a:rPr lang="ja-JP" altLang="en-US" sz="1200" smtClean="0"/>
-              <a:t>つ考えて</a:t>
-            </a:r>
-            <a:r>
-              <a:rPr lang="ja-JP" altLang="en-US" sz="1200" dirty="0" smtClean="0"/>
-              <a:t>もらう．</a:t>
-            </a:r>
-            <a:endParaRPr lang="en-US" altLang="ja-JP" sz="1200" dirty="0" smtClean="0"/>
-          </a:p>
-          <a:p>
-            <a:pPr marL="228600" indent="-228600">
-              <a:buFont typeface="+mj-lt"/>
-              <a:buAutoNum type="arabicPeriod"/>
-            </a:pPr>
-            <a:endParaRPr lang="en-US" altLang="ja-JP" sz="1200" dirty="0" smtClean="0"/>
-          </a:p>
-          <a:p>
-            <a:pPr marL="228600" indent="-228600">
-              <a:buFont typeface="+mj-lt"/>
-              <a:buAutoNum type="arabicPeriod"/>
-            </a:pPr>
-            <a:r>
-              <a:rPr lang="ja-JP" altLang="en-US" sz="1200" dirty="0" smtClean="0"/>
-              <a:t>質問を</a:t>
-            </a:r>
-            <a:r>
-              <a:rPr lang="en-US" altLang="ja-JP" sz="1200" dirty="0" smtClean="0"/>
-              <a:t>Google</a:t>
-            </a:r>
-            <a:r>
-              <a:rPr lang="ja-JP" altLang="en-US" sz="1200" dirty="0" smtClean="0"/>
-              <a:t>フォームにまとめ，アンケートを設計し実施する．</a:t>
-            </a:r>
-            <a:endParaRPr lang="en-US" altLang="ja-JP" sz="1200" dirty="0" smtClean="0"/>
-          </a:p>
-          <a:p>
-            <a:pPr marL="228600" indent="-228600">
-              <a:buFont typeface="+mj-lt"/>
-              <a:buAutoNum type="arabicPeriod"/>
-            </a:pPr>
-            <a:endParaRPr lang="en-US" altLang="ja-JP" sz="1200" dirty="0" smtClean="0"/>
-          </a:p>
-          <a:p>
-            <a:pPr marL="228600" indent="-228600">
-              <a:buFont typeface="+mj-lt"/>
-              <a:buAutoNum type="arabicPeriod"/>
-            </a:pPr>
-            <a:r>
-              <a:rPr lang="ja-JP" altLang="en-US" sz="1200" dirty="0" smtClean="0"/>
-              <a:t>解析手法を学んだ</a:t>
-            </a:r>
-            <a:r>
-              <a:rPr lang="ja-JP" altLang="en-US" sz="1200" dirty="0"/>
-              <a:t>後，自分のグループの質問</a:t>
-            </a:r>
-            <a:r>
-              <a:rPr lang="ja-JP" altLang="en-US" sz="1200" dirty="0" smtClean="0"/>
-              <a:t>の結果</a:t>
-            </a:r>
-            <a:r>
-              <a:rPr lang="ja-JP" altLang="en-US" sz="1200" dirty="0"/>
-              <a:t>と全ての質問の結果をデータマイニング</a:t>
-            </a:r>
-            <a:r>
-              <a:rPr lang="ja-JP" altLang="en-US" sz="1200" dirty="0" smtClean="0"/>
-              <a:t>して</a:t>
-            </a:r>
-            <a:r>
-              <a:rPr lang="ja-JP" altLang="en-US" sz="1200" dirty="0"/>
-              <a:t>もらい，その結果から考察を交えて発表</a:t>
-            </a:r>
-            <a:r>
-              <a:rPr lang="ja-JP" altLang="en-US" sz="1200" dirty="0" smtClean="0"/>
-              <a:t>してもらう．</a:t>
-            </a:r>
-            <a:endParaRPr lang="en-US" altLang="ja-JP" sz="1200" dirty="0" smtClean="0"/>
-          </a:p>
-        </p:txBody>
-      </p:sp>
-      <p:sp>
-        <p:nvSpPr>
           <p:cNvPr id="51" name="テキスト ボックス 50"/>
           <p:cNvSpPr txBox="1"/>
           <p:nvPr/>
         </p:nvSpPr>
         <p:spPr>
           <a:xfrm>
-            <a:off x="3608295" y="4754969"/>
+            <a:off x="383046" y="8113949"/>
             <a:ext cx="2737807" cy="830997"/>
           </a:xfrm>
           <a:prstGeom prst="rect">
@@ -4616,48 +4304,13 @@
       </p:sp>
       <p:sp>
         <p:nvSpPr>
-          <p:cNvPr id="49" name="テキスト ボックス 48"/>
-          <p:cNvSpPr txBox="1"/>
-          <p:nvPr/>
-        </p:nvSpPr>
-        <p:spPr>
-          <a:xfrm>
-            <a:off x="3608295" y="2170801"/>
-            <a:ext cx="2737497" cy="461665"/>
-          </a:xfrm>
-          <a:prstGeom prst="rect">
-            <a:avLst/>
-          </a:prstGeom>
-          <a:noFill/>
-          <a:ln w="19050">
-            <a:solidFill>
-              <a:srgbClr val="92D050"/>
-            </a:solidFill>
-          </a:ln>
-        </p:spPr>
-        <p:txBody>
-          <a:bodyPr wrap="square" rtlCol="0">
-            <a:spAutoFit/>
-          </a:bodyPr>
-          <a:lstStyle/>
-          <a:p>
-            <a:r>
-              <a:rPr lang="ja-JP" altLang="en-US" sz="1200" dirty="0" smtClean="0"/>
-              <a:t>教育改革が進む中，アクティブ・ラーニングが注目を集めている．</a:t>
-            </a:r>
-            <a:endParaRPr lang="ja-JP" altLang="en-US" sz="1200" dirty="0"/>
-          </a:p>
-        </p:txBody>
-      </p:sp>
-      <p:sp>
-        <p:nvSpPr>
           <p:cNvPr id="53" name="角丸四角形 52"/>
           <p:cNvSpPr/>
           <p:nvPr/>
         </p:nvSpPr>
         <p:spPr>
           <a:xfrm>
-            <a:off x="347123" y="7509250"/>
+            <a:off x="347123" y="5869256"/>
             <a:ext cx="1920800" cy="360040"/>
           </a:xfrm>
           <a:prstGeom prst="roundRect">
@@ -5778,6 +5431,344 @@
           </a:graphicData>
         </a:graphic>
       </p:graphicFrame>
+      <p:pic>
+        <p:nvPicPr>
+          <p:cNvPr id="2" name="図 1"/>
+          <p:cNvPicPr>
+            <a:picLocks noChangeAspect="1"/>
+          </p:cNvPicPr>
+          <p:nvPr/>
+        </p:nvPicPr>
+        <p:blipFill>
+          <a:blip r:embed="rId2">
+            <a:extLst>
+              <a:ext uri="{28A0092B-C50C-407E-A947-70E740481C1C}">
+                <a14:useLocalDpi xmlns:a14="http://schemas.microsoft.com/office/drawing/2010/main" val="0"/>
+              </a:ext>
+            </a:extLst>
+          </a:blip>
+          <a:stretch>
+            <a:fillRect/>
+          </a:stretch>
+        </p:blipFill>
+        <p:spPr>
+          <a:xfrm>
+            <a:off x="2873216" y="4267508"/>
+            <a:ext cx="3472576" cy="1365708"/>
+          </a:xfrm>
+          <a:prstGeom prst="rect">
+            <a:avLst/>
+          </a:prstGeom>
+        </p:spPr>
+      </p:pic>
+      <p:sp>
+        <p:nvSpPr>
+          <p:cNvPr id="3" name="テキスト ボックス 2"/>
+          <p:cNvSpPr txBox="1"/>
+          <p:nvPr/>
+        </p:nvSpPr>
+        <p:spPr>
+          <a:xfrm>
+            <a:off x="291475" y="5080519"/>
+            <a:ext cx="2606804" cy="276999"/>
+          </a:xfrm>
+          <a:prstGeom prst="rect">
+            <a:avLst/>
+          </a:prstGeom>
+          <a:noFill/>
+        </p:spPr>
+        <p:txBody>
+          <a:bodyPr wrap="none" rtlCol="0">
+            <a:spAutoFit/>
+          </a:bodyPr>
+          <a:lstStyle/>
+          <a:p>
+            <a:r>
+              <a:rPr kumimoji="1" lang="en-US" altLang="ja-JP" sz="1200" b="1" dirty="0" smtClean="0"/>
+              <a:t>※</a:t>
+            </a:r>
+            <a:r>
+              <a:rPr kumimoji="1" lang="ja-JP" altLang="en-US" sz="1200" b="1" dirty="0" smtClean="0"/>
+              <a:t>講義はデータマイニング入門で行う</a:t>
+            </a:r>
+            <a:endParaRPr kumimoji="1" lang="ja-JP" altLang="en-US" sz="1200" b="1" dirty="0"/>
+          </a:p>
+        </p:txBody>
+      </p:sp>
+      <p:pic>
+        <p:nvPicPr>
+          <p:cNvPr id="27" name="図 26"/>
+          <p:cNvPicPr>
+            <a:picLocks noChangeAspect="1"/>
+          </p:cNvPicPr>
+          <p:nvPr/>
+        </p:nvPicPr>
+        <p:blipFill>
+          <a:blip r:embed="rId3">
+            <a:extLst>
+              <a:ext uri="{28A0092B-C50C-407E-A947-70E740481C1C}">
+                <a14:useLocalDpi xmlns:a14="http://schemas.microsoft.com/office/drawing/2010/main" val="0"/>
+              </a:ext>
+            </a:extLst>
+          </a:blip>
+          <a:stretch>
+            <a:fillRect/>
+          </a:stretch>
+        </p:blipFill>
+        <p:spPr>
+          <a:xfrm>
+            <a:off x="2076322" y="1312570"/>
+            <a:ext cx="4260459" cy="1379126"/>
+          </a:xfrm>
+          <a:prstGeom prst="rect">
+            <a:avLst/>
+          </a:prstGeom>
+        </p:spPr>
+      </p:pic>
+      <p:sp>
+        <p:nvSpPr>
+          <p:cNvPr id="28" name="テキスト ボックス 27"/>
+          <p:cNvSpPr txBox="1"/>
+          <p:nvPr/>
+        </p:nvSpPr>
+        <p:spPr>
+          <a:xfrm>
+            <a:off x="2523221" y="1067553"/>
+            <a:ext cx="3382657" cy="276999"/>
+          </a:xfrm>
+          <a:prstGeom prst="rect">
+            <a:avLst/>
+          </a:prstGeom>
+          <a:noFill/>
+        </p:spPr>
+        <p:txBody>
+          <a:bodyPr wrap="none" rtlCol="0">
+            <a:spAutoFit/>
+          </a:bodyPr>
+          <a:lstStyle/>
+          <a:p>
+            <a:r>
+              <a:rPr kumimoji="1" lang="ja-JP" altLang="en-US" sz="1200" b="1" dirty="0" smtClean="0"/>
+              <a:t>アクティブ・ラーニングとは能動的な学習法の総称</a:t>
+            </a:r>
+            <a:endParaRPr kumimoji="1" lang="ja-JP" altLang="en-US" sz="1200" b="1" dirty="0"/>
+          </a:p>
+        </p:txBody>
+      </p:sp>
+      <p:sp>
+        <p:nvSpPr>
+          <p:cNvPr id="29" name="テキスト ボックス 28"/>
+          <p:cNvSpPr txBox="1"/>
+          <p:nvPr/>
+        </p:nvSpPr>
+        <p:spPr>
+          <a:xfrm>
+            <a:off x="492659" y="1567962"/>
+            <a:ext cx="1351652" cy="430887"/>
+          </a:xfrm>
+          <a:prstGeom prst="rect">
+            <a:avLst/>
+          </a:prstGeom>
+          <a:noFill/>
+        </p:spPr>
+        <p:txBody>
+          <a:bodyPr wrap="none" rtlCol="0">
+            <a:spAutoFit/>
+          </a:bodyPr>
+          <a:lstStyle/>
+          <a:p>
+            <a:r>
+              <a:rPr kumimoji="1" lang="ja-JP" altLang="en-US" sz="1100" dirty="0" smtClean="0"/>
+              <a:t>時代の流れとともに</a:t>
+            </a:r>
+            <a:endParaRPr kumimoji="1" lang="en-US" altLang="ja-JP" sz="1100" dirty="0" smtClean="0"/>
+          </a:p>
+          <a:p>
+            <a:r>
+              <a:rPr kumimoji="1" lang="ja-JP" altLang="en-US" sz="1100" dirty="0" smtClean="0"/>
+              <a:t>教育改革が進む</a:t>
+            </a:r>
+            <a:endParaRPr kumimoji="1" lang="ja-JP" altLang="en-US" sz="1100" dirty="0"/>
+          </a:p>
+        </p:txBody>
+      </p:sp>
+      <p:cxnSp>
+        <p:nvCxnSpPr>
+          <p:cNvPr id="31" name="直線矢印コネクタ 30"/>
+          <p:cNvCxnSpPr/>
+          <p:nvPr/>
+        </p:nvCxnSpPr>
+        <p:spPr>
+          <a:xfrm>
+            <a:off x="1168485" y="2004760"/>
+            <a:ext cx="0" cy="237936"/>
+          </a:xfrm>
+          <a:prstGeom prst="straightConnector1">
+            <a:avLst/>
+          </a:prstGeom>
+          <a:ln>
+            <a:tailEnd type="triangle"/>
+          </a:ln>
+        </p:spPr>
+        <p:style>
+          <a:lnRef idx="1">
+            <a:schemeClr val="accent1"/>
+          </a:lnRef>
+          <a:fillRef idx="0">
+            <a:schemeClr val="accent1"/>
+          </a:fillRef>
+          <a:effectRef idx="0">
+            <a:schemeClr val="accent1"/>
+          </a:effectRef>
+          <a:fontRef idx="minor">
+            <a:schemeClr val="tx1"/>
+          </a:fontRef>
+        </p:style>
+      </p:cxnSp>
+      <p:sp>
+        <p:nvSpPr>
+          <p:cNvPr id="32" name="テキスト ボックス 31"/>
+          <p:cNvSpPr txBox="1"/>
+          <p:nvPr/>
+        </p:nvSpPr>
+        <p:spPr>
+          <a:xfrm>
+            <a:off x="217635" y="2320842"/>
+            <a:ext cx="1893467" cy="261610"/>
+          </a:xfrm>
+          <a:prstGeom prst="rect">
+            <a:avLst/>
+          </a:prstGeom>
+          <a:noFill/>
+        </p:spPr>
+        <p:txBody>
+          <a:bodyPr wrap="none" rtlCol="0">
+            <a:spAutoFit/>
+          </a:bodyPr>
+          <a:lstStyle/>
+          <a:p>
+            <a:r>
+              <a:rPr kumimoji="1" lang="ja-JP" altLang="en-US" sz="1100" b="1" dirty="0" smtClean="0"/>
+              <a:t>アクティブ・ラーニングが注目</a:t>
+            </a:r>
+            <a:endParaRPr kumimoji="1" lang="ja-JP" altLang="en-US" sz="1100" b="1" dirty="0"/>
+          </a:p>
+        </p:txBody>
+      </p:sp>
+      <p:pic>
+        <p:nvPicPr>
+          <p:cNvPr id="34" name="図 33"/>
+          <p:cNvPicPr>
+            <a:picLocks noChangeAspect="1"/>
+          </p:cNvPicPr>
+          <p:nvPr/>
+        </p:nvPicPr>
+        <p:blipFill>
+          <a:blip r:embed="rId4" cstate="print">
+            <a:extLst>
+              <a:ext uri="{28A0092B-C50C-407E-A947-70E740481C1C}">
+                <a14:useLocalDpi xmlns:a14="http://schemas.microsoft.com/office/drawing/2010/main" val="0"/>
+              </a:ext>
+            </a:extLst>
+          </a:blip>
+          <a:stretch>
+            <a:fillRect/>
+          </a:stretch>
+        </p:blipFill>
+        <p:spPr>
+          <a:xfrm flipH="1">
+            <a:off x="2244115" y="6836575"/>
+            <a:ext cx="525006" cy="525006"/>
+          </a:xfrm>
+          <a:prstGeom prst="rect">
+            <a:avLst/>
+          </a:prstGeom>
+        </p:spPr>
+      </p:pic>
+      <p:pic>
+        <p:nvPicPr>
+          <p:cNvPr id="36" name="図 35"/>
+          <p:cNvPicPr>
+            <a:picLocks noChangeAspect="1"/>
+          </p:cNvPicPr>
+          <p:nvPr/>
+        </p:nvPicPr>
+        <p:blipFill>
+          <a:blip r:embed="rId5" cstate="print">
+            <a:extLst>
+              <a:ext uri="{28A0092B-C50C-407E-A947-70E740481C1C}">
+                <a14:useLocalDpi xmlns:a14="http://schemas.microsoft.com/office/drawing/2010/main" val="0"/>
+              </a:ext>
+            </a:extLst>
+          </a:blip>
+          <a:stretch>
+            <a:fillRect/>
+          </a:stretch>
+        </p:blipFill>
+        <p:spPr>
+          <a:xfrm>
+            <a:off x="717483" y="6821695"/>
+            <a:ext cx="832149" cy="554765"/>
+          </a:xfrm>
+          <a:prstGeom prst="rect">
+            <a:avLst/>
+          </a:prstGeom>
+        </p:spPr>
+      </p:pic>
+      <p:sp>
+        <p:nvSpPr>
+          <p:cNvPr id="52" name="右矢印 51"/>
+          <p:cNvSpPr/>
+          <p:nvPr/>
+        </p:nvSpPr>
+        <p:spPr>
+          <a:xfrm>
+            <a:off x="1617559" y="6955061"/>
+            <a:ext cx="457569" cy="288031"/>
+          </a:xfrm>
+          <a:prstGeom prst="rightArrow">
+            <a:avLst/>
+          </a:prstGeom>
+          <a:solidFill>
+            <a:schemeClr val="tx2">
+              <a:lumMod val="20000"/>
+              <a:lumOff val="80000"/>
+            </a:schemeClr>
+          </a:solidFill>
+          <a:ln>
+            <a:solidFill>
+              <a:schemeClr val="tx2">
+                <a:lumMod val="40000"/>
+                <a:lumOff val="60000"/>
+              </a:schemeClr>
+            </a:solidFill>
+          </a:ln>
+        </p:spPr>
+        <p:style>
+          <a:lnRef idx="2">
+            <a:schemeClr val="accent1">
+              <a:shade val="50000"/>
+            </a:schemeClr>
+          </a:lnRef>
+          <a:fillRef idx="1">
+            <a:schemeClr val="accent1"/>
+          </a:fillRef>
+          <a:effectRef idx="0">
+            <a:schemeClr val="accent1"/>
+          </a:effectRef>
+          <a:fontRef idx="minor">
+            <a:schemeClr val="lt1"/>
+          </a:fontRef>
+        </p:style>
+        <p:txBody>
+          <a:bodyPr rtlCol="0" anchor="ctr"/>
+          <a:lstStyle/>
+          <a:p>
+            <a:pPr algn="ctr"/>
+            <a:endParaRPr kumimoji="1" lang="ja-JP" altLang="en-US"/>
+          </a:p>
+        </p:txBody>
+      </p:sp>
     </p:spTree>
     <p:extLst>
       <p:ext uri="{BB962C8B-B14F-4D97-AF65-F5344CB8AC3E}">
